--- a/Prezentacje/Prezentacja_2_podsumowanie_projektu.pptx
+++ b/Prezentacje/Prezentacja_2_podsumowanie_projektu.pptx
@@ -5,7 +5,7 @@
     <p:sldMasterId id="2147483678" r:id="rId4"/>
   </p:sldMasterIdLst>
   <p:notesMasterIdLst>
-    <p:notesMasterId r:id="rId18"/>
+    <p:notesMasterId r:id="rId22"/>
   </p:notesMasterIdLst>
   <p:sldIdLst>
     <p:sldId id="256" r:id="rId5"/>
@@ -17,10 +17,14 @@
     <p:sldId id="355" r:id="rId11"/>
     <p:sldId id="351" r:id="rId12"/>
     <p:sldId id="356" r:id="rId13"/>
-    <p:sldId id="359" r:id="rId14"/>
-    <p:sldId id="352" r:id="rId15"/>
-    <p:sldId id="353" r:id="rId16"/>
-    <p:sldId id="348" r:id="rId17"/>
+    <p:sldId id="362" r:id="rId14"/>
+    <p:sldId id="359" r:id="rId15"/>
+    <p:sldId id="352" r:id="rId16"/>
+    <p:sldId id="353" r:id="rId17"/>
+    <p:sldId id="360" r:id="rId18"/>
+    <p:sldId id="361" r:id="rId19"/>
+    <p:sldId id="348" r:id="rId20"/>
+    <p:sldId id="363" r:id="rId21"/>
   </p:sldIdLst>
   <p:sldSz cx="12192000" cy="6858000"/>
   <p:notesSz cx="6858000" cy="9144000"/>
@@ -133,10 +137,14 @@
             <p14:sldId id="355"/>
             <p14:sldId id="351"/>
             <p14:sldId id="356"/>
+            <p14:sldId id="362"/>
             <p14:sldId id="359"/>
             <p14:sldId id="352"/>
             <p14:sldId id="353"/>
+            <p14:sldId id="360"/>
+            <p14:sldId id="361"/>
             <p14:sldId id="348"/>
+            <p14:sldId id="363"/>
           </p14:sldIdLst>
         </p14:section>
       </p14:sectionLst>
@@ -241,7 +249,7 @@
           <a:p>
             <a:fld id="{D62570CA-13DA-46D9-9DB1-4752C7A8E8CA}" type="datetimeFigureOut">
               <a:rPr lang="pl-PL" smtClean="0"/>
-              <a:t>14.01.2021</a:t>
+              <a:t>30.01.2021</a:t>
             </a:fld>
             <a:endParaRPr lang="pl-PL"/>
           </a:p>
@@ -843,7 +851,7 @@
           <a:p>
             <a:fld id="{0641DAF7-491F-4B83-BA3D-42A4DA5FFC46}" type="datetime1">
               <a:rPr lang="pl-PL" smtClean="0"/>
-              <a:t>14.01.2021</a:t>
+              <a:t>30.01.2021</a:t>
             </a:fld>
             <a:endParaRPr lang="pl-PL"/>
           </a:p>
@@ -3877,7 +3885,7 @@
           <a:p>
             <a:fld id="{DC987E80-0342-4C76-8C75-B8FFFA274816}" type="datetime1">
               <a:rPr lang="pl-PL" smtClean="0"/>
-              <a:t>14.01.2021</a:t>
+              <a:t>30.01.2021</a:t>
             </a:fld>
             <a:endParaRPr lang="pl-PL" dirty="0"/>
           </a:p>
@@ -4057,6 +4065,106 @@
       </p:grpSpPr>
       <p:sp>
         <p:nvSpPr>
+          <p:cNvPr id="4" name="Symbol zastępczy numeru slajdu 3">
+            <a:extLst>
+              <a:ext uri="{FF2B5EF4-FFF2-40B4-BE49-F238E27FC236}">
+                <a16:creationId xmlns:a16="http://schemas.microsoft.com/office/drawing/2014/main" id="{93078628-6931-4680-AFF6-4FAD20C41547}"/>
+              </a:ext>
+            </a:extLst>
+          </p:cNvPr>
+          <p:cNvSpPr>
+            <a:spLocks noGrp="1"/>
+          </p:cNvSpPr>
+          <p:nvPr>
+            <p:ph type="sldNum" sz="quarter" idx="12"/>
+          </p:nvPr>
+        </p:nvSpPr>
+        <p:spPr/>
+        <p:txBody>
+          <a:bodyPr/>
+          <a:lstStyle/>
+          <a:p>
+            <a:fld id="{6AF42C4F-01CF-4077-8471-FA2F2731172D}" type="slidenum">
+              <a:rPr lang="pl-PL" smtClean="0"/>
+              <a:t>10</a:t>
+            </a:fld>
+            <a:endParaRPr lang="pl-PL"/>
+          </a:p>
+        </p:txBody>
+      </p:sp>
+      <p:pic>
+        <p:nvPicPr>
+          <p:cNvPr id="9" name="Obraz 8">
+            <a:extLst>
+              <a:ext uri="{FF2B5EF4-FFF2-40B4-BE49-F238E27FC236}">
+                <a16:creationId xmlns:a16="http://schemas.microsoft.com/office/drawing/2014/main" id="{9C316473-3627-4216-839C-3401BE5E82A6}"/>
+              </a:ext>
+            </a:extLst>
+          </p:cNvPr>
+          <p:cNvPicPr>
+            <a:picLocks noChangeAspect="1"/>
+          </p:cNvPicPr>
+          <p:nvPr/>
+        </p:nvPicPr>
+        <p:blipFill rotWithShape="1">
+          <a:blip r:embed="rId2"/>
+          <a:srcRect l="10998" t="20162" r="54873" b="21170"/>
+          <a:stretch/>
+        </p:blipFill>
+        <p:spPr>
+          <a:xfrm>
+            <a:off x="2635032" y="-29169"/>
+            <a:ext cx="6921935" cy="6916337"/>
+          </a:xfrm>
+          <a:prstGeom prst="rect">
+            <a:avLst/>
+          </a:prstGeom>
+        </p:spPr>
+      </p:pic>
+    </p:spTree>
+    <p:extLst>
+      <p:ext uri="{BB962C8B-B14F-4D97-AF65-F5344CB8AC3E}">
+        <p14:creationId xmlns:p14="http://schemas.microsoft.com/office/powerpoint/2010/main" val="307216739"/>
+      </p:ext>
+    </p:extLst>
+  </p:cSld>
+  <p:clrMapOvr>
+    <a:masterClrMapping/>
+  </p:clrMapOvr>
+  <mc:AlternateContent xmlns:mc="http://schemas.openxmlformats.org/markup-compatibility/2006" xmlns:p14="http://schemas.microsoft.com/office/powerpoint/2010/main">
+    <mc:Choice Requires="p14">
+      <p:transition spd="med" p14:dur="700">
+        <p:fade/>
+      </p:transition>
+    </mc:Choice>
+    <mc:Fallback xmlns="">
+      <p:transition spd="med">
+        <p:fade/>
+      </p:transition>
+    </mc:Fallback>
+  </mc:AlternateContent>
+</p:sld>
+</file>
+
+<file path=ppt/slides/slide11.xml><?xml version="1.0" encoding="utf-8"?>
+<p:sld xmlns:a="http://schemas.openxmlformats.org/drawingml/2006/main" xmlns:r="http://schemas.openxmlformats.org/officeDocument/2006/relationships" xmlns:p="http://schemas.openxmlformats.org/presentationml/2006/main">
+  <p:cSld>
+    <p:spTree>
+      <p:nvGrpSpPr>
+        <p:cNvPr id="1" name=""/>
+        <p:cNvGrpSpPr/>
+        <p:nvPr/>
+      </p:nvGrpSpPr>
+      <p:grpSpPr>
+        <a:xfrm>
+          <a:off x="0" y="0"/>
+          <a:ext cx="0" cy="0"/>
+          <a:chOff x="0" y="0"/>
+          <a:chExt cx="0" cy="0"/>
+        </a:xfrm>
+      </p:grpSpPr>
+      <p:sp>
+        <p:nvSpPr>
           <p:cNvPr id="3" name="Tytuł 2">
             <a:extLst>
               <a:ext uri="{FF2B5EF4-FFF2-40B4-BE49-F238E27FC236}">
@@ -4111,7 +4219,7 @@
           <a:p>
             <a:fld id="{6AF42C4F-01CF-4077-8471-FA2F2731172D}" type="slidenum">
               <a:rPr lang="pl-PL" smtClean="0"/>
-              <a:t>10</a:t>
+              <a:t>11</a:t>
             </a:fld>
             <a:endParaRPr lang="pl-PL"/>
           </a:p>
@@ -4156,241 +4264,13 @@
   <p:clrMapOvr>
     <a:masterClrMapping/>
   </p:clrMapOvr>
-  <mc:AlternateContent xmlns:mc="http://schemas.openxmlformats.org/markup-compatibility/2006">
-    <mc:Choice xmlns:p14="http://schemas.microsoft.com/office/powerpoint/2010/main" Requires="p14">
+  <mc:AlternateContent xmlns:mc="http://schemas.openxmlformats.org/markup-compatibility/2006" xmlns:p14="http://schemas.microsoft.com/office/powerpoint/2010/main">
+    <mc:Choice Requires="p14">
       <p:transition spd="med" p14:dur="700">
         <p:fade/>
       </p:transition>
     </mc:Choice>
-    <mc:Fallback>
-      <p:transition spd="med">
-        <p:fade/>
-      </p:transition>
-    </mc:Fallback>
-  </mc:AlternateContent>
-</p:sld>
-</file>
-
-<file path=ppt/slides/slide11.xml><?xml version="1.0" encoding="utf-8"?>
-<p:sld xmlns:a="http://schemas.openxmlformats.org/drawingml/2006/main" xmlns:r="http://schemas.openxmlformats.org/officeDocument/2006/relationships" xmlns:p="http://schemas.openxmlformats.org/presentationml/2006/main">
-  <p:cSld>
-    <p:spTree>
-      <p:nvGrpSpPr>
-        <p:cNvPr id="1" name=""/>
-        <p:cNvGrpSpPr/>
-        <p:nvPr/>
-      </p:nvGrpSpPr>
-      <p:grpSpPr>
-        <a:xfrm>
-          <a:off x="0" y="0"/>
-          <a:ext cx="0" cy="0"/>
-          <a:chOff x="0" y="0"/>
-          <a:chExt cx="0" cy="0"/>
-        </a:xfrm>
-      </p:grpSpPr>
-      <p:sp>
-        <p:nvSpPr>
-          <p:cNvPr id="5" name="Symbol zastępczy zawartości 4">
-            <a:extLst>
-              <a:ext uri="{FF2B5EF4-FFF2-40B4-BE49-F238E27FC236}">
-                <a16:creationId xmlns:a16="http://schemas.microsoft.com/office/drawing/2014/main" id="{22395292-3E7F-4829-B7E3-57C8525AD2E5}"/>
-              </a:ext>
-            </a:extLst>
-          </p:cNvPr>
-          <p:cNvSpPr>
-            <a:spLocks noGrp="1"/>
-          </p:cNvSpPr>
-          <p:nvPr>
-            <p:ph idx="1"/>
-          </p:nvPr>
-        </p:nvSpPr>
-        <p:spPr>
-          <a:xfrm>
-            <a:off x="696686" y="1828800"/>
-            <a:ext cx="11092543" cy="4216893"/>
-          </a:xfrm>
-        </p:spPr>
-        <p:txBody>
-          <a:bodyPr>
-            <a:normAutofit/>
-          </a:bodyPr>
-          <a:lstStyle/>
-          <a:p>
-            <a:pPr>
-              <a:lnSpc>
-                <a:spcPct val="150000"/>
-              </a:lnSpc>
-              <a:buFont typeface="Wingdings" panose="05000000000000000000" pitchFamily="2" charset="2"/>
-              <a:buChar char="ü"/>
-            </a:pPr>
-            <a:r>
-              <a:rPr lang="pl-PL" sz="2400" dirty="0"/>
-              <a:t> </a:t>
-            </a:r>
-            <a:r>
-              <a:rPr lang="pl-PL" sz="2400" strike="sngStrike" dirty="0"/>
-              <a:t>Zaprojektowanie zestawu pomiarowego na bazie gotowych modułów i mikrokontrolerów</a:t>
-            </a:r>
-            <a:r>
-              <a:rPr lang="pl-PL" sz="2400" dirty="0"/>
-              <a:t>,</a:t>
-            </a:r>
-          </a:p>
-          <a:p>
-            <a:pPr>
-              <a:lnSpc>
-                <a:spcPct val="150000"/>
-              </a:lnSpc>
-              <a:buFont typeface="Wingdings" panose="05000000000000000000" pitchFamily="2" charset="2"/>
-              <a:buChar char="ü"/>
-            </a:pPr>
-            <a:r>
-              <a:rPr lang="pl-PL" sz="2400" dirty="0"/>
-              <a:t> </a:t>
-            </a:r>
-            <a:r>
-              <a:rPr lang="pl-PL" sz="2400" strike="sngStrike" dirty="0"/>
-              <a:t>Złożenie zestawu pomiarowego</a:t>
-            </a:r>
-            <a:r>
-              <a:rPr lang="pl-PL" sz="2400" dirty="0"/>
-              <a:t>,</a:t>
-            </a:r>
-          </a:p>
-          <a:p>
-            <a:pPr>
-              <a:lnSpc>
-                <a:spcPct val="150000"/>
-              </a:lnSpc>
-              <a:buFont typeface="Wingdings" panose="05000000000000000000" pitchFamily="2" charset="2"/>
-              <a:buChar char="ü"/>
-            </a:pPr>
-            <a:r>
-              <a:rPr lang="pl-PL" sz="2400" dirty="0"/>
-              <a:t> </a:t>
-            </a:r>
-            <a:r>
-              <a:rPr lang="pl-PL" sz="2400" strike="sngStrike" dirty="0"/>
-              <a:t>Przygotowanie programu, pozwalającego na wykonanie badań</a:t>
-            </a:r>
-            <a:r>
-              <a:rPr lang="pl-PL" sz="2400" dirty="0"/>
-              <a:t>,</a:t>
-            </a:r>
-          </a:p>
-          <a:p>
-            <a:pPr>
-              <a:lnSpc>
-                <a:spcPct val="150000"/>
-              </a:lnSpc>
-              <a:buFont typeface="Wingdings" panose="05000000000000000000" pitchFamily="2" charset="2"/>
-              <a:buChar char="q"/>
-            </a:pPr>
-            <a:r>
-              <a:rPr lang="pl-PL" sz="2400" dirty="0"/>
-              <a:t> Opracowanie scenariusza badań.</a:t>
-            </a:r>
-          </a:p>
-          <a:p>
-            <a:pPr>
-              <a:buFont typeface="Wingdings" panose="05000000000000000000" pitchFamily="2" charset="2"/>
-              <a:buChar char="q"/>
-            </a:pPr>
-            <a:endParaRPr lang="pl-PL" sz="2400" dirty="0"/>
-          </a:p>
-          <a:p>
-            <a:pPr>
-              <a:buFont typeface="Wingdings" panose="05000000000000000000" pitchFamily="2" charset="2"/>
-              <a:buChar char="q"/>
-            </a:pPr>
-            <a:endParaRPr lang="pl-PL" sz="2400" dirty="0"/>
-          </a:p>
-          <a:p>
-            <a:pPr>
-              <a:buFont typeface="Wingdings" panose="05000000000000000000" pitchFamily="2" charset="2"/>
-              <a:buChar char="q"/>
-            </a:pPr>
-            <a:endParaRPr lang="pl-PL" sz="2400" dirty="0"/>
-          </a:p>
-        </p:txBody>
-      </p:sp>
-      <p:sp>
-        <p:nvSpPr>
-          <p:cNvPr id="2" name="Tytuł 1">
-            <a:extLst>
-              <a:ext uri="{FF2B5EF4-FFF2-40B4-BE49-F238E27FC236}">
-                <a16:creationId xmlns:a16="http://schemas.microsoft.com/office/drawing/2014/main" id="{50C6B204-EF88-4D4C-A12F-025228D39FB9}"/>
-              </a:ext>
-            </a:extLst>
-          </p:cNvPr>
-          <p:cNvSpPr>
-            <a:spLocks noGrp="1"/>
-          </p:cNvSpPr>
-          <p:nvPr>
-            <p:ph type="title"/>
-          </p:nvPr>
-        </p:nvSpPr>
-        <p:spPr/>
-        <p:txBody>
-          <a:bodyPr>
-            <a:normAutofit/>
-          </a:bodyPr>
-          <a:lstStyle/>
-          <a:p>
-            <a:pPr algn="ctr"/>
-            <a:r>
-              <a:rPr lang="pl-PL" b="1" dirty="0"/>
-              <a:t>Założenie projektu</a:t>
-            </a:r>
-          </a:p>
-        </p:txBody>
-      </p:sp>
-      <p:sp>
-        <p:nvSpPr>
-          <p:cNvPr id="4" name="Symbol zastępczy numeru slajdu 3">
-            <a:extLst>
-              <a:ext uri="{FF2B5EF4-FFF2-40B4-BE49-F238E27FC236}">
-                <a16:creationId xmlns:a16="http://schemas.microsoft.com/office/drawing/2014/main" id="{25A85103-46D3-41CE-A010-BA60788E3E21}"/>
-              </a:ext>
-            </a:extLst>
-          </p:cNvPr>
-          <p:cNvSpPr>
-            <a:spLocks noGrp="1"/>
-          </p:cNvSpPr>
-          <p:nvPr>
-            <p:ph type="sldNum" sz="quarter" idx="12"/>
-          </p:nvPr>
-        </p:nvSpPr>
-        <p:spPr/>
-        <p:txBody>
-          <a:bodyPr/>
-          <a:lstStyle/>
-          <a:p>
-            <a:fld id="{6AF42C4F-01CF-4077-8471-FA2F2731172D}" type="slidenum">
-              <a:rPr lang="pl-PL" smtClean="0"/>
-              <a:t>11</a:t>
-            </a:fld>
-            <a:endParaRPr lang="pl-PL"/>
-          </a:p>
-        </p:txBody>
-      </p:sp>
-    </p:spTree>
-    <p:extLst>
-      <p:ext uri="{BB962C8B-B14F-4D97-AF65-F5344CB8AC3E}">
-        <p14:creationId xmlns:p14="http://schemas.microsoft.com/office/powerpoint/2010/main" val="2019722569"/>
-      </p:ext>
-    </p:extLst>
-  </p:cSld>
-  <p:clrMapOvr>
-    <a:masterClrMapping/>
-  </p:clrMapOvr>
-  <mc:AlternateContent xmlns:mc="http://schemas.openxmlformats.org/markup-compatibility/2006">
-    <mc:Choice xmlns:p14="http://schemas.microsoft.com/office/powerpoint/2010/main" Requires="p14">
-      <p:transition spd="med" p14:dur="700">
-        <p:fade/>
-      </p:transition>
-    </mc:Choice>
-    <mc:Fallback>
+    <mc:Fallback xmlns="">
       <p:transition spd="med">
         <p:fade/>
       </p:transition>
@@ -4512,19 +4392,11 @@
                 <a:spcPct val="150000"/>
               </a:lnSpc>
               <a:buFont typeface="Wingdings" panose="05000000000000000000" pitchFamily="2" charset="2"/>
-              <a:buChar char="ü"/>
+              <a:buChar char="q"/>
             </a:pPr>
             <a:r>
               <a:rPr lang="pl-PL" sz="2400" dirty="0"/>
-              <a:t> </a:t>
-            </a:r>
-            <a:r>
-              <a:rPr lang="pl-PL" sz="2400" strike="sngStrike" dirty="0"/>
-              <a:t>Opracowanie scenariusza badań</a:t>
-            </a:r>
-            <a:r>
-              <a:rPr lang="pl-PL" sz="2400" dirty="0"/>
-              <a:t>.</a:t>
+              <a:t> Opracowanie scenariusza badań.</a:t>
             </a:r>
           </a:p>
           <a:p>
@@ -4613,20 +4485,20 @@
     </p:spTree>
     <p:extLst>
       <p:ext uri="{BB962C8B-B14F-4D97-AF65-F5344CB8AC3E}">
-        <p14:creationId xmlns:p14="http://schemas.microsoft.com/office/powerpoint/2010/main" val="3523209366"/>
+        <p14:creationId xmlns:p14="http://schemas.microsoft.com/office/powerpoint/2010/main" val="2019722569"/>
       </p:ext>
     </p:extLst>
   </p:cSld>
   <p:clrMapOvr>
     <a:masterClrMapping/>
   </p:clrMapOvr>
-  <mc:AlternateContent xmlns:mc="http://schemas.openxmlformats.org/markup-compatibility/2006">
-    <mc:Choice xmlns:p14="http://schemas.microsoft.com/office/powerpoint/2010/main" Requires="p14">
+  <mc:AlternateContent xmlns:mc="http://schemas.openxmlformats.org/markup-compatibility/2006" xmlns:p14="http://schemas.microsoft.com/office/powerpoint/2010/main">
+    <mc:Choice Requires="p14">
       <p:transition spd="med" p14:dur="700">
         <p:fade/>
       </p:transition>
     </mc:Choice>
-    <mc:Fallback>
+    <mc:Fallback xmlns="">
       <p:transition spd="med">
         <p:fade/>
       </p:transition>
@@ -4670,8 +4542,8 @@
         </p:nvSpPr>
         <p:spPr>
           <a:xfrm>
-            <a:off x="696686" y="2005263"/>
-            <a:ext cx="11092543" cy="3648544"/>
+            <a:off x="696686" y="1828800"/>
+            <a:ext cx="11092543" cy="4216893"/>
           </a:xfrm>
         </p:spPr>
         <p:txBody>
@@ -4680,69 +4552,109 @@
           </a:bodyPr>
           <a:lstStyle/>
           <a:p>
-            <a:r>
-              <a:rPr lang="pl-PL" dirty="0"/>
-              <a:t>2 x </a:t>
-            </a:r>
-            <a:r>
-              <a:rPr lang="pl-PL" dirty="0" err="1"/>
-              <a:t>Arduino</a:t>
-            </a:r>
-            <a:r>
-              <a:rPr lang="pl-PL" dirty="0"/>
-              <a:t> Uno,</a:t>
-            </a:r>
-          </a:p>
-          <a:p>
-            <a:r>
-              <a:rPr lang="pl-PL" dirty="0"/>
-              <a:t>2 x </a:t>
-            </a:r>
-            <a:r>
-              <a:rPr lang="pl-PL" dirty="0" err="1"/>
-              <a:t>Xbee</a:t>
-            </a:r>
-            <a:r>
-              <a:rPr lang="pl-PL" dirty="0"/>
-              <a:t> 802.15.4 Seria 3,</a:t>
-            </a:r>
-          </a:p>
-          <a:p>
-            <a:r>
-              <a:rPr lang="pl-PL" dirty="0" err="1"/>
-              <a:t>XBee</a:t>
-            </a:r>
-            <a:r>
-              <a:rPr lang="pl-PL" dirty="0"/>
-              <a:t> Adapter USB v2,</a:t>
-            </a:r>
-          </a:p>
-          <a:p>
-            <a:r>
-              <a:rPr lang="pl-PL" dirty="0" err="1"/>
-              <a:t>Xbee</a:t>
-            </a:r>
-            <a:r>
-              <a:rPr lang="pl-PL" dirty="0"/>
-              <a:t> Adapter USB v2.2,</a:t>
-            </a:r>
-          </a:p>
-          <a:p>
-            <a:r>
-              <a:rPr lang="pl-PL" dirty="0"/>
-              <a:t>2 x </a:t>
-            </a:r>
-            <a:r>
-              <a:rPr lang="pl-PL" dirty="0" err="1"/>
-              <a:t>Powerbank</a:t>
-            </a:r>
-            <a:r>
-              <a:rPr lang="pl-PL" dirty="0"/>
+            <a:pPr>
+              <a:lnSpc>
+                <a:spcPct val="150000"/>
+              </a:lnSpc>
+              <a:buFont typeface="Wingdings" panose="05000000000000000000" pitchFamily="2" charset="2"/>
+              <a:buChar char="ü"/>
+            </a:pPr>
+            <a:r>
+              <a:rPr lang="pl-PL" sz="2400" dirty="0"/>
+              <a:t> </a:t>
+            </a:r>
+            <a:r>
+              <a:rPr lang="pl-PL" sz="2400" strike="sngStrike" dirty="0"/>
+              <a:t>Zaprojektowanie zestawu pomiarowego na bazie gotowych modułów i mikrokontrolerów</a:t>
+            </a:r>
+            <a:r>
+              <a:rPr lang="pl-PL" sz="2400" dirty="0"/>
+              <a:t>,</a:t>
+            </a:r>
+          </a:p>
+          <a:p>
+            <a:pPr>
+              <a:lnSpc>
+                <a:spcPct val="150000"/>
+              </a:lnSpc>
+              <a:buFont typeface="Wingdings" panose="05000000000000000000" pitchFamily="2" charset="2"/>
+              <a:buChar char="ü"/>
+            </a:pPr>
+            <a:r>
+              <a:rPr lang="pl-PL" sz="2400" dirty="0"/>
+              <a:t> </a:t>
+            </a:r>
+            <a:r>
+              <a:rPr lang="pl-PL" sz="2400" strike="sngStrike" dirty="0"/>
+              <a:t>Złożenie zestawu pomiarowego</a:t>
+            </a:r>
+            <a:r>
+              <a:rPr lang="pl-PL" sz="2400" dirty="0"/>
+              <a:t>,</a:t>
+            </a:r>
+          </a:p>
+          <a:p>
+            <a:pPr>
+              <a:lnSpc>
+                <a:spcPct val="150000"/>
+              </a:lnSpc>
+              <a:buFont typeface="Wingdings" panose="05000000000000000000" pitchFamily="2" charset="2"/>
+              <a:buChar char="ü"/>
+            </a:pPr>
+            <a:r>
+              <a:rPr lang="pl-PL" sz="2400" dirty="0"/>
+              <a:t> </a:t>
+            </a:r>
+            <a:r>
+              <a:rPr lang="pl-PL" sz="2400" strike="sngStrike" dirty="0"/>
+              <a:t>Przygotowanie programu, pozwalającego na wykonanie badań</a:t>
+            </a:r>
+            <a:r>
+              <a:rPr lang="pl-PL" sz="2400" dirty="0"/>
+              <a:t>,</a:t>
+            </a:r>
+          </a:p>
+          <a:p>
+            <a:pPr>
+              <a:lnSpc>
+                <a:spcPct val="150000"/>
+              </a:lnSpc>
+              <a:buFont typeface="Wingdings" panose="05000000000000000000" pitchFamily="2" charset="2"/>
+              <a:buChar char="ü"/>
+            </a:pPr>
+            <a:r>
+              <a:rPr lang="pl-PL" sz="2400" dirty="0"/>
+              <a:t> </a:t>
+            </a:r>
+            <a:r>
+              <a:rPr lang="pl-PL" sz="2400" strike="sngStrike" dirty="0"/>
+              <a:t>Opracowanie scenariusza badań</a:t>
+            </a:r>
+            <a:r>
+              <a:rPr lang="pl-PL" sz="2400" dirty="0"/>
               <a:t>.</a:t>
             </a:r>
           </a:p>
           <a:p>
-            <a:endParaRPr lang="pl-PL" dirty="0"/>
+            <a:pPr>
+              <a:buFont typeface="Wingdings" panose="05000000000000000000" pitchFamily="2" charset="2"/>
+              <a:buChar char="q"/>
+            </a:pPr>
+            <a:endParaRPr lang="pl-PL" sz="2400" dirty="0"/>
+          </a:p>
+          <a:p>
+            <a:pPr>
+              <a:buFont typeface="Wingdings" panose="05000000000000000000" pitchFamily="2" charset="2"/>
+              <a:buChar char="q"/>
+            </a:pPr>
+            <a:endParaRPr lang="pl-PL" sz="2400" dirty="0"/>
+          </a:p>
+          <a:p>
+            <a:pPr>
+              <a:buFont typeface="Wingdings" panose="05000000000000000000" pitchFamily="2" charset="2"/>
+              <a:buChar char="q"/>
+            </a:pPr>
+            <a:endParaRPr lang="pl-PL" sz="2400" dirty="0"/>
           </a:p>
         </p:txBody>
       </p:sp>
@@ -4772,7 +4684,7 @@
             <a:pPr algn="ctr"/>
             <a:r>
               <a:rPr lang="pl-PL" b="1" dirty="0"/>
-              <a:t>Wykorzystane moduły i elementy</a:t>
+              <a:t>Założenie projektu</a:t>
             </a:r>
           </a:p>
         </p:txBody>
@@ -4809,7 +4721,627 @@
     </p:spTree>
     <p:extLst>
       <p:ext uri="{BB962C8B-B14F-4D97-AF65-F5344CB8AC3E}">
+        <p14:creationId xmlns:p14="http://schemas.microsoft.com/office/powerpoint/2010/main" val="3523209366"/>
+      </p:ext>
+    </p:extLst>
+  </p:cSld>
+  <p:clrMapOvr>
+    <a:masterClrMapping/>
+  </p:clrMapOvr>
+  <mc:AlternateContent xmlns:mc="http://schemas.openxmlformats.org/markup-compatibility/2006" xmlns:p14="http://schemas.microsoft.com/office/powerpoint/2010/main">
+    <mc:Choice Requires="p14">
+      <p:transition spd="med" p14:dur="700">
+        <p:fade/>
+      </p:transition>
+    </mc:Choice>
+    <mc:Fallback xmlns="">
+      <p:transition spd="med">
+        <p:fade/>
+      </p:transition>
+    </mc:Fallback>
+  </mc:AlternateContent>
+</p:sld>
+</file>
+
+<file path=ppt/slides/slide14.xml><?xml version="1.0" encoding="utf-8"?>
+<p:sld xmlns:a="http://schemas.openxmlformats.org/drawingml/2006/main" xmlns:r="http://schemas.openxmlformats.org/officeDocument/2006/relationships" xmlns:p="http://schemas.openxmlformats.org/presentationml/2006/main">
+  <p:cSld>
+    <p:spTree>
+      <p:nvGrpSpPr>
+        <p:cNvPr id="1" name=""/>
+        <p:cNvGrpSpPr/>
+        <p:nvPr/>
+      </p:nvGrpSpPr>
+      <p:grpSpPr>
+        <a:xfrm>
+          <a:off x="0" y="0"/>
+          <a:ext cx="0" cy="0"/>
+          <a:chOff x="0" y="0"/>
+          <a:chExt cx="0" cy="0"/>
+        </a:xfrm>
+      </p:grpSpPr>
+      <p:sp>
+        <p:nvSpPr>
+          <p:cNvPr id="4" name="Symbol zastępczy numeru slajdu 3">
+            <a:extLst>
+              <a:ext uri="{FF2B5EF4-FFF2-40B4-BE49-F238E27FC236}">
+                <a16:creationId xmlns:a16="http://schemas.microsoft.com/office/drawing/2014/main" id="{25A85103-46D3-41CE-A010-BA60788E3E21}"/>
+              </a:ext>
+            </a:extLst>
+          </p:cNvPr>
+          <p:cNvSpPr>
+            <a:spLocks noGrp="1"/>
+          </p:cNvSpPr>
+          <p:nvPr>
+            <p:ph type="sldNum" sz="quarter" idx="12"/>
+          </p:nvPr>
+        </p:nvSpPr>
+        <p:spPr/>
+        <p:txBody>
+          <a:bodyPr/>
+          <a:lstStyle/>
+          <a:p>
+            <a:fld id="{6AF42C4F-01CF-4077-8471-FA2F2731172D}" type="slidenum">
+              <a:rPr lang="pl-PL" smtClean="0"/>
+              <a:t>14</a:t>
+            </a:fld>
+            <a:endParaRPr lang="pl-PL"/>
+          </a:p>
+        </p:txBody>
+      </p:sp>
+      <p:pic>
+        <p:nvPicPr>
+          <p:cNvPr id="10" name="Obraz 9">
+            <a:extLst>
+              <a:ext uri="{FF2B5EF4-FFF2-40B4-BE49-F238E27FC236}">
+                <a16:creationId xmlns:a16="http://schemas.microsoft.com/office/drawing/2014/main" id="{EF58D9CD-AEBD-4331-93D1-E21B902B9384}"/>
+              </a:ext>
+            </a:extLst>
+          </p:cNvPr>
+          <p:cNvPicPr>
+            <a:picLocks noChangeAspect="1"/>
+          </p:cNvPicPr>
+          <p:nvPr/>
+        </p:nvPicPr>
+        <p:blipFill rotWithShape="1">
+          <a:blip r:embed="rId2">
+            <a:extLst>
+              <a:ext uri="{28A0092B-C50C-407E-A947-70E740481C1C}">
+                <a14:useLocalDpi xmlns:a14="http://schemas.microsoft.com/office/drawing/2010/main" val="0"/>
+              </a:ext>
+            </a:extLst>
+          </a:blip>
+          <a:srcRect l="4079" t="3959"/>
+          <a:stretch/>
+        </p:blipFill>
+        <p:spPr>
+          <a:xfrm>
+            <a:off x="0" y="-8552"/>
+            <a:ext cx="12191999" cy="6866552"/>
+          </a:xfrm>
+          <a:prstGeom prst="rect">
+            <a:avLst/>
+          </a:prstGeom>
+        </p:spPr>
+      </p:pic>
+    </p:spTree>
+    <p:extLst>
+      <p:ext uri="{BB962C8B-B14F-4D97-AF65-F5344CB8AC3E}">
+        <p14:creationId xmlns:p14="http://schemas.microsoft.com/office/powerpoint/2010/main" val="1077912353"/>
+      </p:ext>
+    </p:extLst>
+  </p:cSld>
+  <p:clrMapOvr>
+    <a:masterClrMapping/>
+  </p:clrMapOvr>
+  <mc:AlternateContent xmlns:mc="http://schemas.openxmlformats.org/markup-compatibility/2006" xmlns:p14="http://schemas.microsoft.com/office/powerpoint/2010/main">
+    <mc:Choice Requires="p14">
+      <p:transition spd="med" p14:dur="700">
+        <p:fade/>
+      </p:transition>
+    </mc:Choice>
+    <mc:Fallback xmlns="">
+      <p:transition spd="med">
+        <p:fade/>
+      </p:transition>
+    </mc:Fallback>
+  </mc:AlternateContent>
+</p:sld>
+</file>
+
+<file path=ppt/slides/slide15.xml><?xml version="1.0" encoding="utf-8"?>
+<p:sld xmlns:a="http://schemas.openxmlformats.org/drawingml/2006/main" xmlns:r="http://schemas.openxmlformats.org/officeDocument/2006/relationships" xmlns:p="http://schemas.openxmlformats.org/presentationml/2006/main">
+  <p:cSld>
+    <p:spTree>
+      <p:nvGrpSpPr>
+        <p:cNvPr id="1" name=""/>
+        <p:cNvGrpSpPr/>
+        <p:nvPr/>
+      </p:nvGrpSpPr>
+      <p:grpSpPr>
+        <a:xfrm>
+          <a:off x="0" y="0"/>
+          <a:ext cx="0" cy="0"/>
+          <a:chOff x="0" y="0"/>
+          <a:chExt cx="0" cy="0"/>
+        </a:xfrm>
+      </p:grpSpPr>
+      <p:sp>
+        <p:nvSpPr>
+          <p:cNvPr id="4" name="Symbol zastępczy numeru slajdu 3">
+            <a:extLst>
+              <a:ext uri="{FF2B5EF4-FFF2-40B4-BE49-F238E27FC236}">
+                <a16:creationId xmlns:a16="http://schemas.microsoft.com/office/drawing/2014/main" id="{25A85103-46D3-41CE-A010-BA60788E3E21}"/>
+              </a:ext>
+            </a:extLst>
+          </p:cNvPr>
+          <p:cNvSpPr>
+            <a:spLocks noGrp="1"/>
+          </p:cNvSpPr>
+          <p:nvPr>
+            <p:ph type="sldNum" sz="quarter" idx="12"/>
+          </p:nvPr>
+        </p:nvSpPr>
+        <p:spPr/>
+        <p:txBody>
+          <a:bodyPr/>
+          <a:lstStyle/>
+          <a:p>
+            <a:fld id="{6AF42C4F-01CF-4077-8471-FA2F2731172D}" type="slidenum">
+              <a:rPr lang="pl-PL" smtClean="0"/>
+              <a:t>15</a:t>
+            </a:fld>
+            <a:endParaRPr lang="pl-PL"/>
+          </a:p>
+        </p:txBody>
+      </p:sp>
+      <p:pic>
+        <p:nvPicPr>
+          <p:cNvPr id="3" name="Obraz 2">
+            <a:extLst>
+              <a:ext uri="{FF2B5EF4-FFF2-40B4-BE49-F238E27FC236}">
+                <a16:creationId xmlns:a16="http://schemas.microsoft.com/office/drawing/2014/main" id="{0755FA84-21BC-4096-8C84-DDCC6A06BF3C}"/>
+              </a:ext>
+            </a:extLst>
+          </p:cNvPr>
+          <p:cNvPicPr>
+            <a:picLocks noChangeAspect="1"/>
+          </p:cNvPicPr>
+          <p:nvPr/>
+        </p:nvPicPr>
+        <p:blipFill>
+          <a:blip r:embed="rId2">
+            <a:extLst>
+              <a:ext uri="{28A0092B-C50C-407E-A947-70E740481C1C}">
+                <a14:useLocalDpi xmlns:a14="http://schemas.microsoft.com/office/drawing/2010/main" val="0"/>
+              </a:ext>
+            </a:extLst>
+          </a:blip>
+          <a:stretch>
+            <a:fillRect/>
+          </a:stretch>
+        </p:blipFill>
+        <p:spPr>
+          <a:xfrm>
+            <a:off x="324082" y="481262"/>
+            <a:ext cx="11543836" cy="2947738"/>
+          </a:xfrm>
+          <a:prstGeom prst="rect">
+            <a:avLst/>
+          </a:prstGeom>
+        </p:spPr>
+      </p:pic>
+      <p:pic>
+        <p:nvPicPr>
+          <p:cNvPr id="6" name="Obraz 5">
+            <a:extLst>
+              <a:ext uri="{FF2B5EF4-FFF2-40B4-BE49-F238E27FC236}">
+                <a16:creationId xmlns:a16="http://schemas.microsoft.com/office/drawing/2014/main" id="{1955BE05-B742-4DA3-8FAE-74995CFB56C1}"/>
+              </a:ext>
+            </a:extLst>
+          </p:cNvPr>
+          <p:cNvPicPr>
+            <a:picLocks noChangeAspect="1"/>
+          </p:cNvPicPr>
+          <p:nvPr/>
+        </p:nvPicPr>
+        <p:blipFill>
+          <a:blip r:embed="rId3">
+            <a:extLst>
+              <a:ext uri="{28A0092B-C50C-407E-A947-70E740481C1C}">
+                <a14:useLocalDpi xmlns:a14="http://schemas.microsoft.com/office/drawing/2010/main" val="0"/>
+              </a:ext>
+            </a:extLst>
+          </a:blip>
+          <a:stretch>
+            <a:fillRect/>
+          </a:stretch>
+        </p:blipFill>
+        <p:spPr>
+          <a:xfrm>
+            <a:off x="324083" y="3638732"/>
+            <a:ext cx="11543835" cy="2947738"/>
+          </a:xfrm>
+          <a:prstGeom prst="rect">
+            <a:avLst/>
+          </a:prstGeom>
+        </p:spPr>
+      </p:pic>
+    </p:spTree>
+    <p:extLst>
+      <p:ext uri="{BB962C8B-B14F-4D97-AF65-F5344CB8AC3E}">
+        <p14:creationId xmlns:p14="http://schemas.microsoft.com/office/powerpoint/2010/main" val="2916116329"/>
+      </p:ext>
+    </p:extLst>
+  </p:cSld>
+  <p:clrMapOvr>
+    <a:masterClrMapping/>
+  </p:clrMapOvr>
+  <mc:AlternateContent xmlns:mc="http://schemas.openxmlformats.org/markup-compatibility/2006" xmlns:p14="http://schemas.microsoft.com/office/powerpoint/2010/main">
+    <mc:Choice Requires="p14">
+      <p:transition spd="med" p14:dur="700">
+        <p:fade/>
+      </p:transition>
+    </mc:Choice>
+    <mc:Fallback xmlns="">
+      <p:transition spd="med">
+        <p:fade/>
+      </p:transition>
+    </mc:Fallback>
+  </mc:AlternateContent>
+</p:sld>
+</file>
+
+<file path=ppt/slides/slide16.xml><?xml version="1.0" encoding="utf-8"?>
+<p:sld xmlns:a="http://schemas.openxmlformats.org/drawingml/2006/main" xmlns:r="http://schemas.openxmlformats.org/officeDocument/2006/relationships" xmlns:p="http://schemas.openxmlformats.org/presentationml/2006/main">
+  <p:cSld>
+    <p:spTree>
+      <p:nvGrpSpPr>
+        <p:cNvPr id="1" name=""/>
+        <p:cNvGrpSpPr/>
+        <p:nvPr/>
+      </p:nvGrpSpPr>
+      <p:grpSpPr>
+        <a:xfrm>
+          <a:off x="0" y="0"/>
+          <a:ext cx="0" cy="0"/>
+          <a:chOff x="0" y="0"/>
+          <a:chExt cx="0" cy="0"/>
+        </a:xfrm>
+      </p:grpSpPr>
+      <p:sp>
+        <p:nvSpPr>
+          <p:cNvPr id="5" name="Symbol zastępczy zawartości 4">
+            <a:extLst>
+              <a:ext uri="{FF2B5EF4-FFF2-40B4-BE49-F238E27FC236}">
+                <a16:creationId xmlns:a16="http://schemas.microsoft.com/office/drawing/2014/main" id="{22395292-3E7F-4829-B7E3-57C8525AD2E5}"/>
+              </a:ext>
+            </a:extLst>
+          </p:cNvPr>
+          <p:cNvSpPr>
+            <a:spLocks noGrp="1"/>
+          </p:cNvSpPr>
+          <p:nvPr>
+            <p:ph idx="1"/>
+          </p:nvPr>
+        </p:nvSpPr>
+        <p:spPr>
+          <a:xfrm>
+            <a:off x="696686" y="2005263"/>
+            <a:ext cx="11092543" cy="3648544"/>
+          </a:xfrm>
+        </p:spPr>
+        <p:txBody>
+          <a:bodyPr>
+            <a:normAutofit/>
+          </a:bodyPr>
+          <a:lstStyle/>
+          <a:p>
+            <a:r>
+              <a:rPr lang="pl-PL" dirty="0"/>
+              <a:t>2 x </a:t>
+            </a:r>
+            <a:r>
+              <a:rPr lang="pl-PL" dirty="0" err="1"/>
+              <a:t>Arduino</a:t>
+            </a:r>
+            <a:r>
+              <a:rPr lang="pl-PL" dirty="0"/>
+              <a:t> Uno,</a:t>
+            </a:r>
+          </a:p>
+          <a:p>
+            <a:r>
+              <a:rPr lang="pl-PL" dirty="0"/>
+              <a:t>2 x </a:t>
+            </a:r>
+            <a:r>
+              <a:rPr lang="pl-PL" dirty="0" err="1"/>
+              <a:t>Xbee</a:t>
+            </a:r>
+            <a:r>
+              <a:rPr lang="pl-PL" dirty="0"/>
+              <a:t> 802.15.4 Seria 3,</a:t>
+            </a:r>
+          </a:p>
+          <a:p>
+            <a:r>
+              <a:rPr lang="pl-PL" dirty="0" err="1"/>
+              <a:t>XBee</a:t>
+            </a:r>
+            <a:r>
+              <a:rPr lang="pl-PL" dirty="0"/>
+              <a:t> Adapter USB v2,</a:t>
+            </a:r>
+          </a:p>
+          <a:p>
+            <a:r>
+              <a:rPr lang="pl-PL" dirty="0" err="1"/>
+              <a:t>Xbee</a:t>
+            </a:r>
+            <a:r>
+              <a:rPr lang="pl-PL" dirty="0"/>
+              <a:t> Adapter USB v2.2,</a:t>
+            </a:r>
+          </a:p>
+          <a:p>
+            <a:r>
+              <a:rPr lang="pl-PL" dirty="0"/>
+              <a:t>2 x </a:t>
+            </a:r>
+            <a:r>
+              <a:rPr lang="pl-PL" dirty="0" err="1"/>
+              <a:t>Powerbank</a:t>
+            </a:r>
+            <a:r>
+              <a:rPr lang="pl-PL" dirty="0"/>
+              <a:t>.</a:t>
+            </a:r>
+          </a:p>
+          <a:p>
+            <a:endParaRPr lang="pl-PL" dirty="0"/>
+          </a:p>
+        </p:txBody>
+      </p:sp>
+      <p:sp>
+        <p:nvSpPr>
+          <p:cNvPr id="2" name="Tytuł 1">
+            <a:extLst>
+              <a:ext uri="{FF2B5EF4-FFF2-40B4-BE49-F238E27FC236}">
+                <a16:creationId xmlns:a16="http://schemas.microsoft.com/office/drawing/2014/main" id="{50C6B204-EF88-4D4C-A12F-025228D39FB9}"/>
+              </a:ext>
+            </a:extLst>
+          </p:cNvPr>
+          <p:cNvSpPr>
+            <a:spLocks noGrp="1"/>
+          </p:cNvSpPr>
+          <p:nvPr>
+            <p:ph type="title"/>
+          </p:nvPr>
+        </p:nvSpPr>
+        <p:spPr/>
+        <p:txBody>
+          <a:bodyPr>
+            <a:normAutofit/>
+          </a:bodyPr>
+          <a:lstStyle/>
+          <a:p>
+            <a:pPr algn="ctr"/>
+            <a:r>
+              <a:rPr lang="pl-PL" b="1" dirty="0"/>
+              <a:t>Wykorzystane moduły i elementy</a:t>
+            </a:r>
+          </a:p>
+        </p:txBody>
+      </p:sp>
+      <p:sp>
+        <p:nvSpPr>
+          <p:cNvPr id="4" name="Symbol zastępczy numeru slajdu 3">
+            <a:extLst>
+              <a:ext uri="{FF2B5EF4-FFF2-40B4-BE49-F238E27FC236}">
+                <a16:creationId xmlns:a16="http://schemas.microsoft.com/office/drawing/2014/main" id="{25A85103-46D3-41CE-A010-BA60788E3E21}"/>
+              </a:ext>
+            </a:extLst>
+          </p:cNvPr>
+          <p:cNvSpPr>
+            <a:spLocks noGrp="1"/>
+          </p:cNvSpPr>
+          <p:nvPr>
+            <p:ph type="sldNum" sz="quarter" idx="12"/>
+          </p:nvPr>
+        </p:nvSpPr>
+        <p:spPr/>
+        <p:txBody>
+          <a:bodyPr/>
+          <a:lstStyle/>
+          <a:p>
+            <a:fld id="{6AF42C4F-01CF-4077-8471-FA2F2731172D}" type="slidenum">
+              <a:rPr lang="pl-PL" smtClean="0"/>
+              <a:t>16</a:t>
+            </a:fld>
+            <a:endParaRPr lang="pl-PL"/>
+          </a:p>
+        </p:txBody>
+      </p:sp>
+    </p:spTree>
+    <p:extLst>
+      <p:ext uri="{BB962C8B-B14F-4D97-AF65-F5344CB8AC3E}">
         <p14:creationId xmlns:p14="http://schemas.microsoft.com/office/powerpoint/2010/main" val="2866105840"/>
+      </p:ext>
+    </p:extLst>
+  </p:cSld>
+  <p:clrMapOvr>
+    <a:masterClrMapping/>
+  </p:clrMapOvr>
+  <mc:AlternateContent xmlns:mc="http://schemas.openxmlformats.org/markup-compatibility/2006" xmlns:p14="http://schemas.microsoft.com/office/powerpoint/2010/main">
+    <mc:Choice Requires="p14">
+      <p:transition spd="med" p14:dur="700">
+        <p:fade/>
+      </p:transition>
+    </mc:Choice>
+    <mc:Fallback xmlns="">
+      <p:transition spd="med">
+        <p:fade/>
+      </p:transition>
+    </mc:Fallback>
+  </mc:AlternateContent>
+</p:sld>
+</file>
+
+<file path=ppt/slides/slide17.xml><?xml version="1.0" encoding="utf-8"?>
+<p:sld xmlns:a="http://schemas.openxmlformats.org/drawingml/2006/main" xmlns:r="http://schemas.openxmlformats.org/officeDocument/2006/relationships" xmlns:p="http://schemas.openxmlformats.org/presentationml/2006/main">
+  <p:cSld>
+    <p:spTree>
+      <p:nvGrpSpPr>
+        <p:cNvPr id="1" name=""/>
+        <p:cNvGrpSpPr/>
+        <p:nvPr/>
+      </p:nvGrpSpPr>
+      <p:grpSpPr>
+        <a:xfrm>
+          <a:off x="0" y="0"/>
+          <a:ext cx="0" cy="0"/>
+          <a:chOff x="0" y="0"/>
+          <a:chExt cx="0" cy="0"/>
+        </a:xfrm>
+      </p:grpSpPr>
+      <p:sp>
+        <p:nvSpPr>
+          <p:cNvPr id="2" name="Tytuł 1">
+            <a:extLst>
+              <a:ext uri="{FF2B5EF4-FFF2-40B4-BE49-F238E27FC236}">
+                <a16:creationId xmlns:a16="http://schemas.microsoft.com/office/drawing/2014/main" id="{50C6B204-EF88-4D4C-A12F-025228D39FB9}"/>
+              </a:ext>
+            </a:extLst>
+          </p:cNvPr>
+          <p:cNvSpPr>
+            <a:spLocks noGrp="1"/>
+          </p:cNvSpPr>
+          <p:nvPr>
+            <p:ph type="title"/>
+          </p:nvPr>
+        </p:nvSpPr>
+        <p:spPr>
+          <a:xfrm>
+            <a:off x="838200" y="541413"/>
+            <a:ext cx="10515600" cy="1325562"/>
+          </a:xfrm>
+        </p:spPr>
+        <p:txBody>
+          <a:bodyPr>
+            <a:normAutofit/>
+          </a:bodyPr>
+          <a:lstStyle/>
+          <a:p>
+            <a:pPr algn="ctr"/>
+            <a:r>
+              <a:rPr lang="pl-PL" b="1" dirty="0"/>
+              <a:t>Wnioski</a:t>
+            </a:r>
+          </a:p>
+        </p:txBody>
+      </p:sp>
+      <p:sp>
+        <p:nvSpPr>
+          <p:cNvPr id="4" name="Symbol zastępczy numeru slajdu 3">
+            <a:extLst>
+              <a:ext uri="{FF2B5EF4-FFF2-40B4-BE49-F238E27FC236}">
+                <a16:creationId xmlns:a16="http://schemas.microsoft.com/office/drawing/2014/main" id="{25A85103-46D3-41CE-A010-BA60788E3E21}"/>
+              </a:ext>
+            </a:extLst>
+          </p:cNvPr>
+          <p:cNvSpPr>
+            <a:spLocks noGrp="1"/>
+          </p:cNvSpPr>
+          <p:nvPr>
+            <p:ph type="sldNum" sz="quarter" idx="12"/>
+          </p:nvPr>
+        </p:nvSpPr>
+        <p:spPr/>
+        <p:txBody>
+          <a:bodyPr/>
+          <a:lstStyle/>
+          <a:p>
+            <a:fld id="{6AF42C4F-01CF-4077-8471-FA2F2731172D}" type="slidenum">
+              <a:rPr lang="pl-PL" smtClean="0"/>
+              <a:t>17</a:t>
+            </a:fld>
+            <a:endParaRPr lang="pl-PL"/>
+          </a:p>
+        </p:txBody>
+      </p:sp>
+      <p:sp>
+        <p:nvSpPr>
+          <p:cNvPr id="7" name="Symbol zastępczy zawartości 4">
+            <a:extLst>
+              <a:ext uri="{FF2B5EF4-FFF2-40B4-BE49-F238E27FC236}">
+                <a16:creationId xmlns:a16="http://schemas.microsoft.com/office/drawing/2014/main" id="{719E0F9F-1D5D-465B-A9B0-9A69A11EDBF8}"/>
+              </a:ext>
+            </a:extLst>
+          </p:cNvPr>
+          <p:cNvSpPr>
+            <a:spLocks noGrp="1"/>
+          </p:cNvSpPr>
+          <p:nvPr>
+            <p:ph idx="1"/>
+          </p:nvPr>
+        </p:nvSpPr>
+        <p:spPr>
+          <a:xfrm>
+            <a:off x="696686" y="2165683"/>
+            <a:ext cx="11092543" cy="3488123"/>
+          </a:xfrm>
+        </p:spPr>
+        <p:txBody>
+          <a:bodyPr>
+            <a:normAutofit/>
+          </a:bodyPr>
+          <a:lstStyle/>
+          <a:p>
+            <a:pPr marL="0" indent="0">
+              <a:buNone/>
+            </a:pPr>
+            <a:r>
+              <a:rPr lang="pl-PL" dirty="0"/>
+              <a:t>Konieczne jest sprawdzenie i porównanie:</a:t>
+            </a:r>
+          </a:p>
+          <a:p>
+            <a:r>
+              <a:rPr lang="pl-PL" dirty="0"/>
+              <a:t>działania modułów w obudowie, </a:t>
+            </a:r>
+          </a:p>
+          <a:p>
+            <a:r>
+              <a:rPr lang="pl-PL" dirty="0"/>
+              <a:t>działania bez i z dodatkową anteną,</a:t>
+            </a:r>
+          </a:p>
+          <a:p>
+            <a:r>
+              <a:rPr lang="pl-PL" dirty="0"/>
+              <a:t>działanie w różnych konfiguracjach sieci połączeń modułów.</a:t>
+            </a:r>
+          </a:p>
+          <a:p>
+            <a:endParaRPr lang="pl-PL" dirty="0"/>
+          </a:p>
+          <a:p>
+            <a:pPr marL="0" indent="0">
+              <a:buNone/>
+            </a:pPr>
+            <a:endParaRPr lang="pl-PL" dirty="0"/>
+          </a:p>
+          <a:p>
+            <a:endParaRPr lang="pl-PL" dirty="0"/>
+          </a:p>
+        </p:txBody>
+      </p:sp>
+    </p:spTree>
+    <p:extLst>
+      <p:ext uri="{BB962C8B-B14F-4D97-AF65-F5344CB8AC3E}">
+        <p14:creationId xmlns:p14="http://schemas.microsoft.com/office/powerpoint/2010/main" val="2165515847"/>
       </p:ext>
     </p:extLst>
   </p:cSld>
@@ -5497,13 +6029,13 @@
   <p:clrMapOvr>
     <a:masterClrMapping/>
   </p:clrMapOvr>
-  <mc:AlternateContent xmlns:mc="http://schemas.openxmlformats.org/markup-compatibility/2006">
-    <mc:Choice xmlns:p14="http://schemas.microsoft.com/office/powerpoint/2010/main" Requires="p14">
+  <mc:AlternateContent xmlns:mc="http://schemas.openxmlformats.org/markup-compatibility/2006" xmlns:p14="http://schemas.microsoft.com/office/powerpoint/2010/main">
+    <mc:Choice Requires="p14">
       <p:transition spd="med" p14:dur="700">
         <p:fade/>
       </p:transition>
     </mc:Choice>
-    <mc:Fallback>
+    <mc:Fallback xmlns="">
       <p:transition spd="med">
         <p:fade/>
       </p:transition>
@@ -5709,13 +6241,13 @@
   <p:clrMapOvr>
     <a:masterClrMapping/>
   </p:clrMapOvr>
-  <mc:AlternateContent xmlns:mc="http://schemas.openxmlformats.org/markup-compatibility/2006">
-    <mc:Choice xmlns:p14="http://schemas.microsoft.com/office/powerpoint/2010/main" Requires="p14">
+  <mc:AlternateContent xmlns:mc="http://schemas.openxmlformats.org/markup-compatibility/2006" xmlns:p14="http://schemas.microsoft.com/office/powerpoint/2010/main">
+    <mc:Choice Requires="p14">
       <p:transition spd="med" p14:dur="700">
         <p:fade/>
       </p:transition>
     </mc:Choice>
-    <mc:Fallback>
+    <mc:Fallback xmlns="">
       <p:transition spd="med">
         <p:fade/>
       </p:transition>
@@ -6099,13 +6631,13 @@
   <p:clrMapOvr>
     <a:masterClrMapping/>
   </p:clrMapOvr>
-  <mc:AlternateContent xmlns:mc="http://schemas.openxmlformats.org/markup-compatibility/2006">
-    <mc:Choice xmlns:p14="http://schemas.microsoft.com/office/powerpoint/2010/main" Requires="p14">
+  <mc:AlternateContent xmlns:mc="http://schemas.openxmlformats.org/markup-compatibility/2006" xmlns:p14="http://schemas.microsoft.com/office/powerpoint/2010/main">
+    <mc:Choice Requires="p14">
       <p:transition spd="med" p14:dur="700">
         <p:fade/>
       </p:transition>
     </mc:Choice>
-    <mc:Fallback>
+    <mc:Fallback xmlns="">
       <p:transition spd="med">
         <p:fade/>
       </p:transition>
@@ -6866,8 +7398,23 @@
 </file>
 
 <file path=customXml/item1.xml><?xml version="1.0" encoding="utf-8"?>
-<ct:contentTypeSchema xmlns:ct="http://schemas.microsoft.com/office/2006/metadata/contentType" xmlns:ma="http://schemas.microsoft.com/office/2006/metadata/properties/metaAttributes" ct:_="" ma:_="" ma:contentTypeName="Dokument" ma:contentTypeID="0x010100013870165B385544A19B85AD4DA94D25" ma:contentTypeVersion="7" ma:contentTypeDescription="Utwórz nowy dokument." ma:contentTypeScope="" ma:versionID="9f5d9e256b298fadc1d4827d5abf4ba7">
-  <xsd:schema xmlns:xsd="http://www.w3.org/2001/XMLSchema" xmlns:xs="http://www.w3.org/2001/XMLSchema" xmlns:p="http://schemas.microsoft.com/office/2006/metadata/properties" xmlns:ns3="bc7ccdc7-f86e-4ade-86be-1c3a10afd2d1" xmlns:ns4="91e65581-717d-4da5-a3c3-d52dcdc7879b" targetNamespace="http://schemas.microsoft.com/office/2006/metadata/properties" ma:root="true" ma:fieldsID="721d60924e123e2173d03928f05f2ce2" ns3:_="" ns4:_="">
+<p:properties xmlns:p="http://schemas.microsoft.com/office/2006/metadata/properties" xmlns:xsi="http://www.w3.org/2001/XMLSchema-instance" xmlns:pc="http://schemas.microsoft.com/office/infopath/2007/PartnerControls">
+  <documentManagement/>
+</p:properties>
+</file>
+
+<file path=customXml/item2.xml><?xml version="1.0" encoding="utf-8"?>
+<?mso-contentType ?>
+<FormTemplates xmlns="http://schemas.microsoft.com/sharepoint/v3/contenttype/forms">
+  <Display>DocumentLibraryForm</Display>
+  <Edit>DocumentLibraryForm</Edit>
+  <New>DocumentLibraryForm</New>
+</FormTemplates>
+</file>
+
+<file path=customXml/item3.xml><?xml version="1.0" encoding="utf-8"?>
+<ct:contentTypeSchema xmlns:ct="http://schemas.microsoft.com/office/2006/metadata/contentType" xmlns:ma="http://schemas.microsoft.com/office/2006/metadata/properties/metaAttributes" ct:_="" ma:_="" ma:contentTypeName="Dokument" ma:contentTypeID="0x010100013870165B385544A19B85AD4DA94D25" ma:contentTypeVersion="11" ma:contentTypeDescription="Utwórz nowy dokument." ma:contentTypeScope="" ma:versionID="48a18bfd6cc6b8ccc02a2959fc89f865">
+  <xsd:schema xmlns:xsd="http://www.w3.org/2001/XMLSchema" xmlns:xs="http://www.w3.org/2001/XMLSchema" xmlns:p="http://schemas.microsoft.com/office/2006/metadata/properties" xmlns:ns3="bc7ccdc7-f86e-4ade-86be-1c3a10afd2d1" xmlns:ns4="91e65581-717d-4da5-a3c3-d52dcdc7879b" targetNamespace="http://schemas.microsoft.com/office/2006/metadata/properties" ma:root="true" ma:fieldsID="782774f8c75b351f05739acb1f1e3e3c" ns3:_="" ns4:_="">
     <xsd:import namespace="bc7ccdc7-f86e-4ade-86be-1c3a10afd2d1"/>
     <xsd:import namespace="91e65581-717d-4da5-a3c3-d52dcdc7879b"/>
     <xsd:element name="properties">
@@ -6883,6 +7430,10 @@
                 <xsd:element ref="ns4:SharedWithUsers" minOccurs="0"/>
                 <xsd:element ref="ns4:SharedWithDetails" minOccurs="0"/>
                 <xsd:element ref="ns4:SharingHintHash" minOccurs="0"/>
+                <xsd:element ref="ns3:MediaServiceAutoTags" minOccurs="0"/>
+                <xsd:element ref="ns3:MediaServiceOCR" minOccurs="0"/>
+                <xsd:element ref="ns3:MediaServiceGenerationTime" minOccurs="0"/>
+                <xsd:element ref="ns3:MediaServiceEventHashCode" minOccurs="0"/>
               </xsd:all>
             </xsd:complexType>
           </xsd:element>
@@ -6913,6 +7464,28 @@
         <xsd:restriction base="dms:Note">
           <xsd:maxLength value="255"/>
         </xsd:restriction>
+      </xsd:simpleType>
+    </xsd:element>
+    <xsd:element name="MediaServiceAutoTags" ma:index="15" nillable="true" ma:displayName="Tags" ma:internalName="MediaServiceAutoTags" ma:readOnly="true">
+      <xsd:simpleType>
+        <xsd:restriction base="dms:Text"/>
+      </xsd:simpleType>
+    </xsd:element>
+    <xsd:element name="MediaServiceOCR" ma:index="16" nillable="true" ma:displayName="Extracted Text" ma:internalName="MediaServiceOCR" ma:readOnly="true">
+      <xsd:simpleType>
+        <xsd:restriction base="dms:Note">
+          <xsd:maxLength value="255"/>
+        </xsd:restriction>
+      </xsd:simpleType>
+    </xsd:element>
+    <xsd:element name="MediaServiceGenerationTime" ma:index="17" nillable="true" ma:displayName="MediaServiceGenerationTime" ma:hidden="true" ma:internalName="MediaServiceGenerationTime" ma:readOnly="true">
+      <xsd:simpleType>
+        <xsd:restriction base="dms:Text"/>
+      </xsd:simpleType>
+    </xsd:element>
+    <xsd:element name="MediaServiceEventHashCode" ma:index="18" nillable="true" ma:displayName="MediaServiceEventHashCode" ma:hidden="true" ma:internalName="MediaServiceEventHashCode" ma:readOnly="true">
+      <xsd:simpleType>
+        <xsd:restriction base="dms:Text"/>
       </xsd:simpleType>
     </xsd:element>
   </xsd:schema>
@@ -7050,23 +7623,33 @@
 </ct:contentTypeSchema>
 </file>
 
-<file path=customXml/item2.xml><?xml version="1.0" encoding="utf-8"?>
-<p:properties xmlns:p="http://schemas.microsoft.com/office/2006/metadata/properties" xmlns:xsi="http://www.w3.org/2001/XMLSchema-instance" xmlns:pc="http://schemas.microsoft.com/office/infopath/2007/PartnerControls">
-  <documentManagement/>
-</p:properties>
+<file path=customXml/itemProps1.xml><?xml version="1.0" encoding="utf-8"?>
+<ds:datastoreItem xmlns:ds="http://schemas.openxmlformats.org/officeDocument/2006/customXml" ds:itemID="{544FE27D-9DB6-49E8-8654-724BDC45C5FD}">
+  <ds:schemaRefs>
+    <ds:schemaRef ds:uri="91e65581-717d-4da5-a3c3-d52dcdc7879b"/>
+    <ds:schemaRef ds:uri="http://purl.org/dc/terms/"/>
+    <ds:schemaRef ds:uri="http://schemas.microsoft.com/office/2006/documentManagement/types"/>
+    <ds:schemaRef ds:uri="http://schemas.microsoft.com/office/infopath/2007/PartnerControls"/>
+    <ds:schemaRef ds:uri="http://purl.org/dc/elements/1.1/"/>
+    <ds:schemaRef ds:uri="bc7ccdc7-f86e-4ade-86be-1c3a10afd2d1"/>
+    <ds:schemaRef ds:uri="http://purl.org/dc/dcmitype/"/>
+    <ds:schemaRef ds:uri="http://schemas.openxmlformats.org/package/2006/metadata/core-properties"/>
+    <ds:schemaRef ds:uri="http://schemas.microsoft.com/office/2006/metadata/properties"/>
+    <ds:schemaRef ds:uri="http://www.w3.org/XML/1998/namespace"/>
+  </ds:schemaRefs>
+</ds:datastoreItem>
 </file>
 
-<file path=customXml/item3.xml><?xml version="1.0" encoding="utf-8"?>
-<?mso-contentType ?>
-<FormTemplates xmlns="http://schemas.microsoft.com/sharepoint/v3/contenttype/forms">
-  <Display>DocumentLibraryForm</Display>
-  <Edit>DocumentLibraryForm</Edit>
-  <New>DocumentLibraryForm</New>
-</FormTemplates>
+<file path=customXml/itemProps2.xml><?xml version="1.0" encoding="utf-8"?>
+<ds:datastoreItem xmlns:ds="http://schemas.openxmlformats.org/officeDocument/2006/customXml" ds:itemID="{77974C3E-8D06-4656-98A7-9EB4C62A4E83}">
+  <ds:schemaRefs>
+    <ds:schemaRef ds:uri="http://schemas.microsoft.com/sharepoint/v3/contenttype/forms"/>
+  </ds:schemaRefs>
+</ds:datastoreItem>
 </file>
 
-<file path=customXml/itemProps1.xml><?xml version="1.0" encoding="utf-8"?>
-<ds:datastoreItem xmlns:ds="http://schemas.openxmlformats.org/officeDocument/2006/customXml" ds:itemID="{384B9CC0-CD3E-4C0D-9501-1FA953E143B7}">
+<file path=customXml/itemProps3.xml><?xml version="1.0" encoding="utf-8"?>
+<ds:datastoreItem xmlns:ds="http://schemas.openxmlformats.org/officeDocument/2006/customXml" ds:itemID="{096AC390-DE29-4852-9E7B-4A3B91B8108E}">
   <ds:schemaRefs>
     <ds:schemaRef ds:uri="http://schemas.microsoft.com/office/2006/metadata/contentType"/>
     <ds:schemaRef ds:uri="http://schemas.microsoft.com/office/2006/metadata/properties/metaAttributes"/>
@@ -7082,29 +7665,4 @@
     <ds:schemaRef ds:uri="http://schemas.microsoft.com/internal/obd"/>
   </ds:schemaRefs>
 </ds:datastoreItem>
-</file>
-
-<file path=customXml/itemProps2.xml><?xml version="1.0" encoding="utf-8"?>
-<ds:datastoreItem xmlns:ds="http://schemas.openxmlformats.org/officeDocument/2006/customXml" ds:itemID="{544FE27D-9DB6-49E8-8654-724BDC45C5FD}">
-  <ds:schemaRefs>
-    <ds:schemaRef ds:uri="http://schemas.microsoft.com/office/2006/metadata/properties"/>
-    <ds:schemaRef ds:uri="91e65581-717d-4da5-a3c3-d52dcdc7879b"/>
-    <ds:schemaRef ds:uri="http://purl.org/dc/terms/"/>
-    <ds:schemaRef ds:uri="http://schemas.microsoft.com/office/2006/documentManagement/types"/>
-    <ds:schemaRef ds:uri="http://purl.org/dc/dcmitype/"/>
-    <ds:schemaRef ds:uri="http://schemas.microsoft.com/office/infopath/2007/PartnerControls"/>
-    <ds:schemaRef ds:uri="bc7ccdc7-f86e-4ade-86be-1c3a10afd2d1"/>
-    <ds:schemaRef ds:uri="http://purl.org/dc/elements/1.1/"/>
-    <ds:schemaRef ds:uri="http://schemas.openxmlformats.org/package/2006/metadata/core-properties"/>
-    <ds:schemaRef ds:uri="http://www.w3.org/XML/1998/namespace"/>
-  </ds:schemaRefs>
-</ds:datastoreItem>
-</file>
-
-<file path=customXml/itemProps3.xml><?xml version="1.0" encoding="utf-8"?>
-<ds:datastoreItem xmlns:ds="http://schemas.openxmlformats.org/officeDocument/2006/customXml" ds:itemID="{77974C3E-8D06-4656-98A7-9EB4C62A4E83}">
-  <ds:schemaRefs>
-    <ds:schemaRef ds:uri="http://schemas.microsoft.com/sharepoint/v3/contenttype/forms"/>
-  </ds:schemaRefs>
-</ds:datastoreItem>
 </file>